--- a/Figures/AConstructiveChoiceDesc.pptx
+++ b/Figures/AConstructiveChoiceDesc.pptx
@@ -288,7 +288,7 @@
           <a:p>
             <a:fld id="{47B9A199-D001-9B4E-B758-14EC809AFE55}" type="datetimeFigureOut">
               <a:rPr lang="da-DK" smtClean="0"/>
-              <a:t>12/07/14</a:t>
+              <a:t>17/07/14</a:t>
             </a:fld>
             <a:endParaRPr lang="en-GB"/>
           </a:p>
@@ -458,7 +458,7 @@
           <a:p>
             <a:fld id="{47B9A199-D001-9B4E-B758-14EC809AFE55}" type="datetimeFigureOut">
               <a:rPr lang="da-DK" smtClean="0"/>
-              <a:t>12/07/14</a:t>
+              <a:t>17/07/14</a:t>
             </a:fld>
             <a:endParaRPr lang="en-GB"/>
           </a:p>
@@ -638,7 +638,7 @@
           <a:p>
             <a:fld id="{47B9A199-D001-9B4E-B758-14EC809AFE55}" type="datetimeFigureOut">
               <a:rPr lang="da-DK" smtClean="0"/>
-              <a:t>12/07/14</a:t>
+              <a:t>17/07/14</a:t>
             </a:fld>
             <a:endParaRPr lang="en-GB"/>
           </a:p>
@@ -808,7 +808,7 @@
           <a:p>
             <a:fld id="{47B9A199-D001-9B4E-B758-14EC809AFE55}" type="datetimeFigureOut">
               <a:rPr lang="da-DK" smtClean="0"/>
-              <a:t>12/07/14</a:t>
+              <a:t>17/07/14</a:t>
             </a:fld>
             <a:endParaRPr lang="en-GB"/>
           </a:p>
@@ -1054,7 +1054,7 @@
           <a:p>
             <a:fld id="{47B9A199-D001-9B4E-B758-14EC809AFE55}" type="datetimeFigureOut">
               <a:rPr lang="da-DK" smtClean="0"/>
-              <a:t>12/07/14</a:t>
+              <a:t>17/07/14</a:t>
             </a:fld>
             <a:endParaRPr lang="en-GB"/>
           </a:p>
@@ -1342,7 +1342,7 @@
           <a:p>
             <a:fld id="{47B9A199-D001-9B4E-B758-14EC809AFE55}" type="datetimeFigureOut">
               <a:rPr lang="da-DK" smtClean="0"/>
-              <a:t>12/07/14</a:t>
+              <a:t>17/07/14</a:t>
             </a:fld>
             <a:endParaRPr lang="en-GB"/>
           </a:p>
@@ -1764,7 +1764,7 @@
           <a:p>
             <a:fld id="{47B9A199-D001-9B4E-B758-14EC809AFE55}" type="datetimeFigureOut">
               <a:rPr lang="da-DK" smtClean="0"/>
-              <a:t>12/07/14</a:t>
+              <a:t>17/07/14</a:t>
             </a:fld>
             <a:endParaRPr lang="en-GB"/>
           </a:p>
@@ -1882,7 +1882,7 @@
           <a:p>
             <a:fld id="{47B9A199-D001-9B4E-B758-14EC809AFE55}" type="datetimeFigureOut">
               <a:rPr lang="da-DK" smtClean="0"/>
-              <a:t>12/07/14</a:t>
+              <a:t>17/07/14</a:t>
             </a:fld>
             <a:endParaRPr lang="en-GB"/>
           </a:p>
@@ -1977,7 +1977,7 @@
           <a:p>
             <a:fld id="{47B9A199-D001-9B4E-B758-14EC809AFE55}" type="datetimeFigureOut">
               <a:rPr lang="da-DK" smtClean="0"/>
-              <a:t>12/07/14</a:t>
+              <a:t>17/07/14</a:t>
             </a:fld>
             <a:endParaRPr lang="en-GB"/>
           </a:p>
@@ -2254,7 +2254,7 @@
           <a:p>
             <a:fld id="{47B9A199-D001-9B4E-B758-14EC809AFE55}" type="datetimeFigureOut">
               <a:rPr lang="da-DK" smtClean="0"/>
-              <a:t>12/07/14</a:t>
+              <a:t>17/07/14</a:t>
             </a:fld>
             <a:endParaRPr lang="en-GB"/>
           </a:p>
@@ -2507,7 +2507,7 @@
           <a:p>
             <a:fld id="{47B9A199-D001-9B4E-B758-14EC809AFE55}" type="datetimeFigureOut">
               <a:rPr lang="da-DK" smtClean="0"/>
-              <a:t>12/07/14</a:t>
+              <a:t>17/07/14</a:t>
             </a:fld>
             <a:endParaRPr lang="en-GB"/>
           </a:p>
@@ -2720,7 +2720,7 @@
           <a:p>
             <a:fld id="{47B9A199-D001-9B4E-B758-14EC809AFE55}" type="datetimeFigureOut">
               <a:rPr lang="da-DK" smtClean="0"/>
-              <a:t>12/07/14</a:t>
+              <a:t>17/07/14</a:t>
             </a:fld>
             <a:endParaRPr lang="en-GB"/>
           </a:p>
@@ -3248,192 +3248,174 @@
               <a:t>} </a:t>
             </a:r>
             <a:r>
+              <a:rPr lang="fr-FR" dirty="0" smtClean="0">
+                <a:latin typeface="Lucida Console"/>
+                <a:cs typeface="Lucida Console"/>
+              </a:rPr>
+              <a:t>	</a:t>
+            </a:r>
+          </a:p>
+          <a:p>
+            <a:r>
+              <a:rPr lang="fr-FR" dirty="0" smtClean="0">
+                <a:latin typeface="Lucida Console"/>
+                <a:cs typeface="Lucida Console"/>
+              </a:rPr>
+              <a:t>    -</a:t>
+            </a:r>
+            <a:r>
               <a:rPr lang="fr-FR" dirty="0">
                 <a:latin typeface="Lucida Console"/>
                 <a:cs typeface="Lucida Console"/>
               </a:rPr>
-              <a:t>-&gt;  </a:t>
+              <a:t>&gt; </a:t>
+            </a:r>
+            <a:r>
+              <a:rPr lang="fr-FR" dirty="0" err="1">
+                <a:solidFill>
+                  <a:srgbClr val="C0504D"/>
+                </a:solidFill>
+                <a:latin typeface="Lucida Console"/>
+                <a:cs typeface="Lucida Console"/>
+              </a:rPr>
+              <a:t>SPi</a:t>
+            </a:r>
+            <a:r>
+              <a:rPr lang="fr-FR" dirty="0">
+                <a:solidFill>
+                  <a:srgbClr val="C0504D"/>
+                </a:solidFill>
+                <a:latin typeface="Lucida Console"/>
+                <a:cs typeface="Lucida Console"/>
+              </a:rPr>
+              <a:t> </a:t>
+            </a:r>
+            <a:r>
+              <a:rPr lang="fr-FR" dirty="0">
+                <a:solidFill>
+                  <a:srgbClr val="D99694"/>
+                </a:solidFill>
+                <a:latin typeface="Lucida Console"/>
+                <a:cs typeface="Lucida Console"/>
+              </a:rPr>
+              <a:t>e</a:t>
+            </a:r>
+            <a:r>
+              <a:rPr lang="fr-FR" dirty="0">
+                <a:latin typeface="Lucida Console"/>
+                <a:cs typeface="Lucida Console"/>
+              </a:rPr>
+              <a:t> </a:t>
             </a:r>
             <a:r>
               <a:rPr lang="fr-FR" dirty="0" smtClean="0">
                 <a:latin typeface="Lucida Console"/>
                 <a:cs typeface="Lucida Console"/>
               </a:rPr>
-              <a:t>	</a:t>
-            </a:r>
-            <a:endParaRPr lang="fr-FR" dirty="0" smtClean="0">
-              <a:latin typeface="Lucida Console"/>
-              <a:cs typeface="Lucida Console"/>
-            </a:endParaRPr>
-          </a:p>
-          <a:p>
+              <a:t>(\</a:t>
+            </a:r>
             <a:r>
               <a:rPr lang="fr-FR" dirty="0" smtClean="0">
-                <a:latin typeface="Lucida Console"/>
-                <a:cs typeface="Lucida Console"/>
-              </a:rPr>
-              <a:t>    -</a:t>
+                <a:solidFill>
+                  <a:srgbClr val="D99694"/>
+                </a:solidFill>
+                <a:latin typeface="Lucida Console"/>
+                <a:cs typeface="Lucida Console"/>
+              </a:rPr>
+              <a:t>l </a:t>
+            </a:r>
+            <a:r>
+              <a:rPr lang="fr-FR" dirty="0" smtClean="0">
+                <a:latin typeface="Lucida Console"/>
+                <a:cs typeface="Lucida Console"/>
+              </a:rPr>
+              <a:t>=&gt; </a:t>
             </a:r>
             <a:r>
               <a:rPr lang="fr-FR" dirty="0">
                 <a:latin typeface="Lucida Console"/>
                 <a:cs typeface="Lucida Console"/>
               </a:rPr>
+              <a:t>\</a:t>
+            </a:r>
+            <a:r>
+              <a:rPr lang="fr-FR" dirty="0" err="1" smtClean="0">
+                <a:solidFill>
+                  <a:srgbClr val="D99694"/>
+                </a:solidFill>
+                <a:latin typeface="Lucida Console"/>
+                <a:cs typeface="Lucida Console"/>
+              </a:rPr>
+              <a:t>t</a:t>
+            </a:r>
+            <a:r>
+              <a:rPr lang="fr-FR" dirty="0" smtClean="0">
+                <a:solidFill>
+                  <a:srgbClr val="D99694"/>
+                </a:solidFill>
+                <a:latin typeface="Lucida Console"/>
+                <a:cs typeface="Lucida Console"/>
+              </a:rPr>
+              <a:t> </a:t>
+            </a:r>
+            <a:r>
+              <a:rPr lang="fr-FR" dirty="0">
+                <a:latin typeface="Lucida Console"/>
+                <a:cs typeface="Lucida Console"/>
+              </a:rPr>
+              <a:t>=</a:t>
+            </a:r>
+            <a:r>
+              <a:rPr lang="fr-FR" dirty="0" smtClean="0">
+                <a:latin typeface="Lucida Console"/>
+                <a:cs typeface="Lucida Console"/>
+              </a:rPr>
               <a:t>&gt; </a:t>
             </a:r>
             <a:r>
-              <a:rPr lang="fr-FR" dirty="0" err="1">
-                <a:solidFill>
-                  <a:srgbClr val="C0504D"/>
-                </a:solidFill>
-                <a:latin typeface="Lucida Console"/>
-                <a:cs typeface="Lucida Console"/>
-              </a:rPr>
-              <a:t>SPi</a:t>
+              <a:rPr lang="fr-FR" dirty="0" err="1" smtClean="0">
+                <a:solidFill>
+                  <a:srgbClr val="558ED5"/>
+                </a:solidFill>
+                <a:latin typeface="Lucida Console"/>
+                <a:cs typeface="Lucida Console"/>
+              </a:rPr>
+              <a:t>Desc</a:t>
+            </a:r>
+            <a:r>
+              <a:rPr lang="fr-FR" dirty="0" smtClean="0">
+                <a:latin typeface="Lucida Console"/>
+                <a:cs typeface="Lucida Console"/>
+              </a:rPr>
+              <a:t> </a:t>
             </a:r>
             <a:r>
               <a:rPr lang="fr-FR" dirty="0">
                 <a:solidFill>
-                  <a:srgbClr val="C0504D"/>
+                  <a:srgbClr val="D99694"/>
+                </a:solidFill>
+                <a:latin typeface="Lucida Console"/>
+                <a:cs typeface="Lucida Console"/>
+              </a:rPr>
+              <a:t>ix</a:t>
+            </a:r>
+            <a:r>
+              <a:rPr lang="fr-FR" dirty="0" smtClean="0">
+                <a:latin typeface="Lucida Console"/>
+                <a:cs typeface="Lucida Console"/>
+              </a:rPr>
+              <a:t>)</a:t>
+            </a:r>
+            <a:r>
+              <a:rPr lang="fr-FR" dirty="0" smtClean="0">
+                <a:solidFill>
+                  <a:srgbClr val="D99694"/>
                 </a:solidFill>
                 <a:latin typeface="Lucida Console"/>
                 <a:cs typeface="Lucida Console"/>
               </a:rPr>
               <a:t> </a:t>
             </a:r>
-            <a:r>
-              <a:rPr lang="fr-FR" dirty="0">
-                <a:solidFill>
-                  <a:srgbClr val="D99694"/>
-                </a:solidFill>
-                <a:latin typeface="Lucida Console"/>
-                <a:cs typeface="Lucida Console"/>
-              </a:rPr>
-              <a:t>e</a:t>
-            </a:r>
-            <a:r>
-              <a:rPr lang="fr-FR" dirty="0">
-                <a:latin typeface="Lucida Console"/>
-                <a:cs typeface="Lucida Console"/>
-              </a:rPr>
-              <a:t> </a:t>
-            </a:r>
-            <a:r>
-              <a:rPr lang="fr-FR" dirty="0" smtClean="0">
-                <a:latin typeface="Lucida Console"/>
-                <a:cs typeface="Lucida Console"/>
-              </a:rPr>
-              <a:t>(\</a:t>
-            </a:r>
-            <a:r>
-              <a:rPr lang="fr-FR" dirty="0" smtClean="0">
-                <a:solidFill>
-                  <a:srgbClr val="D99694"/>
-                </a:solidFill>
-                <a:latin typeface="Lucida Console"/>
-                <a:cs typeface="Lucida Console"/>
-              </a:rPr>
-              <a:t>l </a:t>
-            </a:r>
-            <a:r>
-              <a:rPr lang="fr-FR" dirty="0" smtClean="0">
-                <a:latin typeface="Lucida Console"/>
-                <a:cs typeface="Lucida Console"/>
-              </a:rPr>
-              <a:t>=&gt; </a:t>
-            </a:r>
-            <a:r>
-              <a:rPr lang="fr-FR" dirty="0">
-                <a:latin typeface="Lucida Console"/>
-                <a:cs typeface="Lucida Console"/>
-              </a:rPr>
-              <a:t>\</a:t>
-            </a:r>
-            <a:r>
-              <a:rPr lang="fr-FR" dirty="0" err="1" smtClean="0">
-                <a:solidFill>
-                  <a:srgbClr val="D99694"/>
-                </a:solidFill>
-                <a:latin typeface="Lucida Console"/>
-                <a:cs typeface="Lucida Console"/>
-              </a:rPr>
-              <a:t>t</a:t>
-            </a:r>
-            <a:r>
-              <a:rPr lang="fr-FR" dirty="0" smtClean="0">
-                <a:solidFill>
-                  <a:srgbClr val="D99694"/>
-                </a:solidFill>
-                <a:latin typeface="Lucida Console"/>
-                <a:cs typeface="Lucida Console"/>
-              </a:rPr>
-              <a:t> </a:t>
-            </a:r>
-            <a:r>
-              <a:rPr lang="fr-FR" dirty="0">
-                <a:latin typeface="Lucida Console"/>
-                <a:cs typeface="Lucida Console"/>
-              </a:rPr>
-              <a:t>=</a:t>
-            </a:r>
-            <a:r>
-              <a:rPr lang="fr-FR" dirty="0" smtClean="0">
-                <a:latin typeface="Lucida Console"/>
-                <a:cs typeface="Lucida Console"/>
-              </a:rPr>
-              <a:t>&gt; </a:t>
-            </a:r>
-            <a:r>
-              <a:rPr lang="fr-FR" dirty="0" err="1" smtClean="0">
-                <a:solidFill>
-                  <a:srgbClr val="558ED5"/>
-                </a:solidFill>
-                <a:latin typeface="Lucida Console"/>
-                <a:cs typeface="Lucida Console"/>
-              </a:rPr>
-              <a:t>Desc</a:t>
-            </a:r>
-            <a:r>
-              <a:rPr lang="fr-FR" dirty="0" smtClean="0">
-                <a:latin typeface="Lucida Console"/>
-                <a:cs typeface="Lucida Console"/>
-              </a:rPr>
-              <a:t> </a:t>
-            </a:r>
-            <a:r>
-              <a:rPr lang="fr-FR" dirty="0">
-                <a:solidFill>
-                  <a:srgbClr val="D99694"/>
-                </a:solidFill>
-                <a:latin typeface="Lucida Console"/>
-                <a:cs typeface="Lucida Console"/>
-              </a:rPr>
-              <a:t>ix</a:t>
-            </a:r>
-            <a:r>
-              <a:rPr lang="fr-FR" dirty="0" smtClean="0">
-                <a:latin typeface="Lucida Console"/>
-                <a:cs typeface="Lucida Console"/>
-              </a:rPr>
-              <a:t>)</a:t>
-            </a:r>
-            <a:r>
-              <a:rPr lang="fr-FR" dirty="0" smtClean="0">
-                <a:solidFill>
-                  <a:srgbClr val="D99694"/>
-                </a:solidFill>
-                <a:latin typeface="Lucida Console"/>
-                <a:cs typeface="Lucida Console"/>
-              </a:rPr>
-              <a:t> </a:t>
-            </a:r>
-            <a:endParaRPr lang="fr-FR" dirty="0" smtClean="0">
-              <a:solidFill>
-                <a:srgbClr val="D99694"/>
-              </a:solidFill>
-              <a:latin typeface="Lucida Console"/>
-              <a:cs typeface="Lucida Console"/>
-            </a:endParaRPr>
           </a:p>
           <a:p>
             <a:r>
@@ -3583,17 +3565,168 @@
                 <a:latin typeface="Lucida Console"/>
                 <a:cs typeface="Lucida Console"/>
               </a:rPr>
-              <a:t>s</a:t>
+              <a:t>switchDesc</a:t>
+            </a:r>
+            <a:r>
+              <a:rPr lang="fr-FR" dirty="0" smtClean="0">
+                <a:solidFill>
+                  <a:srgbClr val="C0504D"/>
+                </a:solidFill>
+                <a:latin typeface="Lucida Console"/>
+                <a:cs typeface="Lucida Console"/>
+              </a:rPr>
+              <a:t> </a:t>
+            </a:r>
+            <a:r>
+              <a:rPr lang="fr-FR" dirty="0" smtClean="0">
+                <a:latin typeface="Lucida Console"/>
+                <a:cs typeface="Lucida Console"/>
+              </a:rPr>
+              <a:t>{</a:t>
+            </a:r>
+            <a:r>
+              <a:rPr lang="fr-FR" dirty="0" smtClean="0">
+                <a:solidFill>
+                  <a:srgbClr val="D99694"/>
+                </a:solidFill>
+                <a:latin typeface="Lucida Console"/>
+                <a:cs typeface="Lucida Console"/>
+              </a:rPr>
+              <a:t>e </a:t>
+            </a:r>
+            <a:r>
+              <a:rPr lang="fr-FR" dirty="0" smtClean="0">
+                <a:latin typeface="Lucida Console"/>
+                <a:cs typeface="Lucida Console"/>
+              </a:rPr>
+              <a:t>=</a:t>
+            </a:r>
+            <a:r>
+              <a:rPr lang="fr-FR" dirty="0" smtClean="0">
+                <a:solidFill>
+                  <a:srgbClr val="9BBB59"/>
+                </a:solidFill>
+                <a:latin typeface="Lucida Console"/>
+                <a:cs typeface="Lucida Console"/>
+              </a:rPr>
+              <a:t> </a:t>
+            </a:r>
+            <a:r>
+              <a:rPr lang="fr-FR" dirty="0" smtClean="0">
+                <a:solidFill>
+                  <a:srgbClr val="D99694"/>
+                </a:solidFill>
+                <a:latin typeface="Lucida Console"/>
+                <a:cs typeface="Lucida Console"/>
+              </a:rPr>
+              <a:t>e</a:t>
+            </a:r>
+            <a:r>
+              <a:rPr lang="fr-FR" dirty="0" smtClean="0">
+                <a:latin typeface="Lucida Console"/>
+                <a:cs typeface="Lucida Console"/>
+              </a:rPr>
+              <a:t>}</a:t>
+            </a:r>
+            <a:r>
+              <a:rPr lang="fr-FR" dirty="0" smtClean="0">
+                <a:solidFill>
+                  <a:srgbClr val="D99694"/>
+                </a:solidFill>
+                <a:latin typeface="Lucida Console"/>
+                <a:cs typeface="Lucida Console"/>
+              </a:rPr>
+              <a:t> </a:t>
+            </a:r>
+            <a:r>
+              <a:rPr lang="fr-FR" dirty="0" smtClean="0">
+                <a:latin typeface="Lucida Console"/>
+                <a:cs typeface="Lucida Console"/>
+              </a:rPr>
+              <a:t>{</a:t>
+            </a:r>
+            <a:r>
+              <a:rPr lang="fr-FR" dirty="0" smtClean="0">
+                <a:solidFill>
+                  <a:srgbClr val="D99694"/>
+                </a:solidFill>
+                <a:latin typeface="Lucida Console"/>
+                <a:cs typeface="Lucida Console"/>
+              </a:rPr>
+              <a:t>ix </a:t>
+            </a:r>
+            <a:r>
+              <a:rPr lang="fr-FR" dirty="0">
+                <a:latin typeface="Lucida Console"/>
+                <a:cs typeface="Lucida Console"/>
+              </a:rPr>
+              <a:t>=</a:t>
+            </a:r>
+            <a:r>
+              <a:rPr lang="fr-FR" dirty="0">
+                <a:solidFill>
+                  <a:srgbClr val="9BBB59"/>
+                </a:solidFill>
+                <a:latin typeface="Lucida Console"/>
+                <a:cs typeface="Lucida Console"/>
+              </a:rPr>
+              <a:t> </a:t>
+            </a:r>
+            <a:r>
+              <a:rPr lang="fr-FR" dirty="0" smtClean="0">
+                <a:solidFill>
+                  <a:srgbClr val="D99694"/>
+                </a:solidFill>
+                <a:latin typeface="Lucida Console"/>
+                <a:cs typeface="Lucida Console"/>
+              </a:rPr>
+              <a:t>ix</a:t>
+            </a:r>
+            <a:r>
+              <a:rPr lang="fr-FR" dirty="0" smtClean="0">
+                <a:latin typeface="Lucida Console"/>
+                <a:cs typeface="Lucida Console"/>
+              </a:rPr>
+              <a:t>} </a:t>
             </a:r>
             <a:r>
               <a:rPr lang="fr-FR" dirty="0" err="1" smtClean="0">
                 <a:solidFill>
+                  <a:srgbClr val="D99694"/>
+                </a:solidFill>
+                <a:latin typeface="Lucida Console"/>
+                <a:cs typeface="Lucida Console"/>
+              </a:rPr>
+              <a:t>cs</a:t>
+            </a:r>
+            <a:r>
+              <a:rPr lang="fr-FR" dirty="0" smtClean="0">
+                <a:solidFill>
+                  <a:srgbClr val="D99694"/>
+                </a:solidFill>
+                <a:latin typeface="Lucida Console"/>
+                <a:cs typeface="Lucida Console"/>
+              </a:rPr>
+              <a:t> </a:t>
+            </a:r>
+            <a:r>
+              <a:rPr lang="fr-FR" dirty="0" smtClean="0">
+                <a:latin typeface="Lucida Console"/>
+                <a:cs typeface="Lucida Console"/>
+              </a:rPr>
+              <a:t>= </a:t>
+            </a:r>
+          </a:p>
+          <a:p>
+            <a:r>
+              <a:rPr lang="fr-FR" dirty="0">
+                <a:solidFill>
                   <a:srgbClr val="C0504D"/>
                 </a:solidFill>
                 <a:latin typeface="Lucida Console"/>
                 <a:cs typeface="Lucida Console"/>
               </a:rPr>
-              <a:t>witchDesc</a:t>
+              <a:t>	</a:t>
             </a:r>
             <a:r>
               <a:rPr lang="fr-FR" dirty="0" smtClean="0">
@@ -3603,124 +3736,17 @@
                 <a:latin typeface="Lucida Console"/>
                 <a:cs typeface="Lucida Console"/>
               </a:rPr>
-              <a:t> </a:t>
-            </a:r>
-            <a:r>
-              <a:rPr lang="fr-FR" dirty="0" smtClean="0">
-                <a:latin typeface="Lucida Console"/>
-                <a:cs typeface="Lucida Console"/>
-              </a:rPr>
-              <a:t>{</a:t>
-            </a:r>
-            <a:r>
-              <a:rPr lang="fr-FR" dirty="0" smtClean="0">
-                <a:solidFill>
-                  <a:srgbClr val="D99694"/>
-                </a:solidFill>
-                <a:latin typeface="Lucida Console"/>
-                <a:cs typeface="Lucida Console"/>
-              </a:rPr>
-              <a:t>e </a:t>
-            </a:r>
-            <a:r>
-              <a:rPr lang="fr-FR" dirty="0" smtClean="0">
-                <a:latin typeface="Lucida Console"/>
-                <a:cs typeface="Lucida Console"/>
-              </a:rPr>
-              <a:t>=</a:t>
-            </a:r>
-            <a:r>
-              <a:rPr lang="fr-FR" dirty="0" smtClean="0">
-                <a:solidFill>
-                  <a:srgbClr val="9BBB59"/>
-                </a:solidFill>
-                <a:latin typeface="Lucida Console"/>
-                <a:cs typeface="Lucida Console"/>
-              </a:rPr>
-              <a:t> </a:t>
-            </a:r>
-            <a:r>
-              <a:rPr lang="fr-FR" dirty="0" smtClean="0">
-                <a:solidFill>
-                  <a:srgbClr val="D99694"/>
-                </a:solidFill>
-                <a:latin typeface="Lucida Console"/>
-                <a:cs typeface="Lucida Console"/>
-              </a:rPr>
-              <a:t>e</a:t>
-            </a:r>
-            <a:r>
-              <a:rPr lang="fr-FR" dirty="0" smtClean="0">
-                <a:latin typeface="Lucida Console"/>
-                <a:cs typeface="Lucida Console"/>
-              </a:rPr>
-              <a:t>}</a:t>
-            </a:r>
-            <a:r>
-              <a:rPr lang="fr-FR" dirty="0" smtClean="0">
-                <a:solidFill>
-                  <a:srgbClr val="D99694"/>
-                </a:solidFill>
-                <a:latin typeface="Lucida Console"/>
-                <a:cs typeface="Lucida Console"/>
-              </a:rPr>
-              <a:t> ix</a:t>
-            </a:r>
-            <a:r>
-              <a:rPr lang="fr-FR" dirty="0" smtClean="0">
-                <a:latin typeface="Lucida Console"/>
-                <a:cs typeface="Lucida Console"/>
-              </a:rPr>
-              <a:t> </a:t>
+              <a:t>					</a:t>
             </a:r>
             <a:r>
               <a:rPr lang="fr-FR" dirty="0" err="1" smtClean="0">
                 <a:solidFill>
-                  <a:srgbClr val="D99694"/>
-                </a:solidFill>
-                <a:latin typeface="Lucida Console"/>
-                <a:cs typeface="Lucida Console"/>
-              </a:rPr>
-              <a:t>cs</a:t>
-            </a:r>
-            <a:r>
-              <a:rPr lang="fr-FR" dirty="0" smtClean="0">
-                <a:solidFill>
-                  <a:srgbClr val="D99694"/>
-                </a:solidFill>
-                <a:latin typeface="Lucida Console"/>
-                <a:cs typeface="Lucida Console"/>
-              </a:rPr>
-              <a:t> </a:t>
-            </a:r>
-            <a:r>
-              <a:rPr lang="fr-FR" dirty="0" smtClean="0">
-                <a:latin typeface="Lucida Console"/>
-                <a:cs typeface="Lucida Console"/>
-              </a:rPr>
-              <a:t>= </a:t>
-            </a:r>
-          </a:p>
-          <a:p>
-            <a:r>
-              <a:rPr lang="fr-FR" dirty="0">
-                <a:solidFill>
                   <a:srgbClr val="C0504D"/>
                 </a:solidFill>
                 <a:latin typeface="Lucida Console"/>
                 <a:cs typeface="Lucida Console"/>
               </a:rPr>
-              <a:t>	</a:t>
-            </a:r>
-            <a:r>
-              <a:rPr lang="fr-FR" smtClean="0">
-                <a:solidFill>
-                  <a:srgbClr val="C0504D"/>
-                </a:solidFill>
-                <a:latin typeface="Lucida Console"/>
-                <a:cs typeface="Lucida Console"/>
-              </a:rPr>
-              <a:t>					switch</a:t>
+              <a:t>switch</a:t>
             </a:r>
             <a:r>
               <a:rPr lang="fr-FR" dirty="0" smtClean="0">
